--- a/Docs/Presentations/Abschlusspräsentation.pptx
+++ b/Docs/Presentations/Abschlusspräsentation.pptx
@@ -10401,10 +10401,10 @@
       </p:grpSpPr>
       <p:pic>
         <p:nvPicPr>
-          <p:cNvPr id="6" name="Grafik 5" descr="Ein Bild, das Screenshot enthält.&#10;&#10;Automatisch generierte Beschreibung">
+          <p:cNvPr id="3" name="Picture 2" descr="A screenshot of a cell phone&#10;&#10;Description automatically generated">
             <a:extLst>
               <a:ext uri="{FF2B5EF4-FFF2-40B4-BE49-F238E27FC236}">
-                <a16:creationId xmlns:a16="http://schemas.microsoft.com/office/drawing/2014/main" id="{942B0B0D-923A-4846-B7FA-2BE9205C7216}"/>
+                <a16:creationId xmlns:a16="http://schemas.microsoft.com/office/drawing/2014/main" id="{3237A079-A744-45BF-8E32-C1DD73203116}"/>
               </a:ext>
             </a:extLst>
           </p:cNvPr>
@@ -10427,8 +10427,8 @@
         </p:blipFill>
         <p:spPr>
           <a:xfrm>
-            <a:off x="0" y="0"/>
-            <a:ext cx="12192000" cy="6858000"/>
+            <a:off x="0" y="183944"/>
+            <a:ext cx="12192000" cy="6490111"/>
           </a:xfrm>
           <a:prstGeom prst="rect">
             <a:avLst/>
